--- a/matsuoka/3.3 Lightgbm/3.3. LightGBM.pptx
+++ b/matsuoka/3.3 Lightgbm/3.3. LightGBM.pptx
@@ -218,7 +218,7 @@
           <a:p>
             <a:fld id="{35AF1AB0-152F-4944-8B0B-D6AC80456478}" type="datetimeFigureOut">
               <a:rPr kumimoji="1" lang="ja-JP" altLang="en-US" smtClean="0"/>
-              <a:t>2018/12/19</a:t>
+              <a:t>2018/12/23</a:t>
             </a:fld>
             <a:endParaRPr kumimoji="1" lang="ja-JP" altLang="en-US"/>
           </a:p>
@@ -705,7 +705,7 @@
           <a:p>
             <a:fld id="{9162DFDF-7161-450E-AA25-87B734D9927A}" type="datetime1">
               <a:rPr kumimoji="1" lang="ja-JP" altLang="en-US" smtClean="0"/>
-              <a:t>2018/12/19</a:t>
+              <a:t>2018/12/23</a:t>
             </a:fld>
             <a:endParaRPr kumimoji="1" lang="ja-JP" altLang="en-US"/>
           </a:p>
@@ -937,7 +937,7 @@
           <a:p>
             <a:fld id="{05170B31-FCB0-4503-B8DD-4901361C2F6F}" type="datetime1">
               <a:rPr kumimoji="1" lang="ja-JP" altLang="en-US" smtClean="0"/>
-              <a:t>2018/12/19</a:t>
+              <a:t>2018/12/23</a:t>
             </a:fld>
             <a:endParaRPr kumimoji="1" lang="ja-JP" altLang="en-US"/>
           </a:p>
@@ -1144,7 +1144,7 @@
           <a:p>
             <a:fld id="{A285A42D-9368-4BB8-90BE-0F899494FD93}" type="datetime1">
               <a:rPr kumimoji="1" lang="ja-JP" altLang="en-US" smtClean="0"/>
-              <a:t>2018/12/19</a:t>
+              <a:t>2018/12/23</a:t>
             </a:fld>
             <a:endParaRPr kumimoji="1" lang="ja-JP" altLang="en-US"/>
           </a:p>
@@ -1341,7 +1341,7 @@
           <a:p>
             <a:fld id="{AC56DD09-0C5E-431E-AADA-074A2AD145DD}" type="datetime1">
               <a:rPr kumimoji="1" lang="ja-JP" altLang="en-US" smtClean="0"/>
-              <a:t>2018/12/19</a:t>
+              <a:t>2018/12/23</a:t>
             </a:fld>
             <a:endParaRPr kumimoji="1" lang="ja-JP" altLang="en-US"/>
           </a:p>
@@ -1589,7 +1589,7 @@
           <a:p>
             <a:fld id="{E3F455DD-B8CA-4C30-97FD-952368997C4F}" type="datetime1">
               <a:rPr kumimoji="1" lang="ja-JP" altLang="en-US" smtClean="0"/>
-              <a:t>2018/12/19</a:t>
+              <a:t>2018/12/23</a:t>
             </a:fld>
             <a:endParaRPr kumimoji="1" lang="ja-JP" altLang="en-US"/>
           </a:p>
@@ -1971,7 +1971,7 @@
           <a:p>
             <a:fld id="{6AD42BE7-B330-4BC3-BB4C-EE0029A16A41}" type="datetime1">
               <a:rPr kumimoji="1" lang="ja-JP" altLang="en-US" smtClean="0"/>
-              <a:t>2018/12/19</a:t>
+              <a:t>2018/12/23</a:t>
             </a:fld>
             <a:endParaRPr kumimoji="1" lang="ja-JP" altLang="en-US"/>
           </a:p>
@@ -2501,7 +2501,7 @@
           <a:p>
             <a:fld id="{68A324F7-1AF9-496C-9147-148D735ACB58}" type="datetime1">
               <a:rPr kumimoji="1" lang="ja-JP" altLang="en-US" smtClean="0"/>
-              <a:t>2018/12/19</a:t>
+              <a:t>2018/12/23</a:t>
             </a:fld>
             <a:endParaRPr kumimoji="1" lang="ja-JP" altLang="en-US"/>
           </a:p>
@@ -2649,7 +2649,7 @@
           <a:p>
             <a:fld id="{27AA0BA3-AB01-4609-88A0-55AAC0CC76BD}" type="datetime1">
               <a:rPr kumimoji="1" lang="ja-JP" altLang="en-US" smtClean="0"/>
-              <a:t>2018/12/19</a:t>
+              <a:t>2018/12/23</a:t>
             </a:fld>
             <a:endParaRPr kumimoji="1" lang="ja-JP" altLang="en-US"/>
           </a:p>
@@ -2739,7 +2739,7 @@
           <a:p>
             <a:fld id="{0CFBF5D4-B5CC-4467-B796-C67F515DE3C5}" type="datetime1">
               <a:rPr kumimoji="1" lang="ja-JP" altLang="en-US" smtClean="0"/>
-              <a:t>2018/12/19</a:t>
+              <a:t>2018/12/23</a:t>
             </a:fld>
             <a:endParaRPr kumimoji="1" lang="ja-JP" altLang="en-US"/>
           </a:p>
@@ -3045,7 +3045,7 @@
           <a:p>
             <a:fld id="{A0163980-AAA3-47F9-A262-0D3864F1B223}" type="datetime1">
               <a:rPr kumimoji="1" lang="ja-JP" altLang="en-US" smtClean="0"/>
-              <a:t>2018/12/19</a:t>
+              <a:t>2018/12/23</a:t>
             </a:fld>
             <a:endParaRPr kumimoji="1" lang="ja-JP" altLang="en-US"/>
           </a:p>
@@ -3350,7 +3350,7 @@
           <a:p>
             <a:fld id="{848859B9-DC56-434E-8346-7979ED5DF987}" type="datetime1">
               <a:rPr kumimoji="1" lang="ja-JP" altLang="en-US" smtClean="0"/>
-              <a:t>2018/12/19</a:t>
+              <a:t>2018/12/23</a:t>
             </a:fld>
             <a:endParaRPr kumimoji="1" lang="ja-JP" altLang="en-US"/>
           </a:p>
@@ -3680,7 +3680,7 @@
           <a:p>
             <a:fld id="{8A9F02A4-63CC-4654-A6E7-8D37C032D0CA}" type="datetime1">
               <a:rPr kumimoji="1" lang="ja-JP" altLang="en-US" smtClean="0"/>
-              <a:t>2018/12/19</a:t>
+              <a:t>2018/12/23</a:t>
             </a:fld>
             <a:endParaRPr kumimoji="1" lang="ja-JP" altLang="en-US"/>
           </a:p>
@@ -5069,7 +5069,7 @@
             <a:pPr lvl="1"/>
             <a:r>
               <a:rPr lang="ja-JP" altLang="en-US" dirty="0"/>
-              <a:t>小さいものにも使うことはできるが、他のアルゴリズムでも可能な場合がある</a:t>
+              <a:t>目安として数千件以上のデータ</a:t>
             </a:r>
             <a:endParaRPr lang="en-US" altLang="ja-JP" dirty="0"/>
           </a:p>
@@ -5670,7 +5670,7 @@
             <a:pPr lvl="1"/>
             <a:r>
               <a:rPr lang="ja-JP" altLang="en-US" dirty="0"/>
-              <a:t>グリッドサーチではパラメータの組み合わせが多すぎるので、グリッドサーチは不向き</a:t>
+              <a:t>グリッドサーチではパラメータの組み合わせが多すぎるので不向き</a:t>
             </a:r>
           </a:p>
         </p:txBody>
